--- a/Course/520 Introduction to Aritificial Intelligence/HW4/planning.pptx
+++ b/Course/520 Introduction to Aritificial Intelligence/HW4/planning.pptx
@@ -289,7 +289,7 @@
           <a:p>
             <a:fld id="{36D34181-51C2-1140-ADCE-674B9D1FF368}" type="datetimeFigureOut">
               <a:rPr lang="en-US" smtClean="0"/>
-              <a:t>11/9/10</a:t>
+              <a:t>11/16/10</a:t>
             </a:fld>
             <a:endParaRPr lang="en-US"/>
           </a:p>
@@ -459,7 +459,7 @@
           <a:p>
             <a:fld id="{36D34181-51C2-1140-ADCE-674B9D1FF368}" type="datetimeFigureOut">
               <a:rPr lang="en-US" smtClean="0"/>
-              <a:t>11/9/10</a:t>
+              <a:t>11/16/10</a:t>
             </a:fld>
             <a:endParaRPr lang="en-US"/>
           </a:p>
@@ -639,7 +639,7 @@
           <a:p>
             <a:fld id="{36D34181-51C2-1140-ADCE-674B9D1FF368}" type="datetimeFigureOut">
               <a:rPr lang="en-US" smtClean="0"/>
-              <a:t>11/9/10</a:t>
+              <a:t>11/16/10</a:t>
             </a:fld>
             <a:endParaRPr lang="en-US"/>
           </a:p>
@@ -809,7 +809,7 @@
           <a:p>
             <a:fld id="{36D34181-51C2-1140-ADCE-674B9D1FF368}" type="datetimeFigureOut">
               <a:rPr lang="en-US" smtClean="0"/>
-              <a:t>11/9/10</a:t>
+              <a:t>11/16/10</a:t>
             </a:fld>
             <a:endParaRPr lang="en-US"/>
           </a:p>
@@ -1055,7 +1055,7 @@
           <a:p>
             <a:fld id="{36D34181-51C2-1140-ADCE-674B9D1FF368}" type="datetimeFigureOut">
               <a:rPr lang="en-US" smtClean="0"/>
-              <a:t>11/9/10</a:t>
+              <a:t>11/16/10</a:t>
             </a:fld>
             <a:endParaRPr lang="en-US"/>
           </a:p>
@@ -1343,7 +1343,7 @@
           <a:p>
             <a:fld id="{36D34181-51C2-1140-ADCE-674B9D1FF368}" type="datetimeFigureOut">
               <a:rPr lang="en-US" smtClean="0"/>
-              <a:t>11/9/10</a:t>
+              <a:t>11/16/10</a:t>
             </a:fld>
             <a:endParaRPr lang="en-US"/>
           </a:p>
@@ -1765,7 +1765,7 @@
           <a:p>
             <a:fld id="{36D34181-51C2-1140-ADCE-674B9D1FF368}" type="datetimeFigureOut">
               <a:rPr lang="en-US" smtClean="0"/>
-              <a:t>11/9/10</a:t>
+              <a:t>11/16/10</a:t>
             </a:fld>
             <a:endParaRPr lang="en-US"/>
           </a:p>
@@ -1883,7 +1883,7 @@
           <a:p>
             <a:fld id="{36D34181-51C2-1140-ADCE-674B9D1FF368}" type="datetimeFigureOut">
               <a:rPr lang="en-US" smtClean="0"/>
-              <a:t>11/9/10</a:t>
+              <a:t>11/16/10</a:t>
             </a:fld>
             <a:endParaRPr lang="en-US"/>
           </a:p>
@@ -1978,7 +1978,7 @@
           <a:p>
             <a:fld id="{36D34181-51C2-1140-ADCE-674B9D1FF368}" type="datetimeFigureOut">
               <a:rPr lang="en-US" smtClean="0"/>
-              <a:t>11/9/10</a:t>
+              <a:t>11/16/10</a:t>
             </a:fld>
             <a:endParaRPr lang="en-US"/>
           </a:p>
@@ -2255,7 +2255,7 @@
           <a:p>
             <a:fld id="{36D34181-51C2-1140-ADCE-674B9D1FF368}" type="datetimeFigureOut">
               <a:rPr lang="en-US" smtClean="0"/>
-              <a:t>11/9/10</a:t>
+              <a:t>11/16/10</a:t>
             </a:fld>
             <a:endParaRPr lang="en-US"/>
           </a:p>
@@ -2508,7 +2508,7 @@
           <a:p>
             <a:fld id="{36D34181-51C2-1140-ADCE-674B9D1FF368}" type="datetimeFigureOut">
               <a:rPr lang="en-US" smtClean="0"/>
-              <a:t>11/9/10</a:t>
+              <a:t>11/16/10</a:t>
             </a:fld>
             <a:endParaRPr lang="en-US"/>
           </a:p>
@@ -2721,7 +2721,7 @@
           <a:p>
             <a:fld id="{36D34181-51C2-1140-ADCE-674B9D1FF368}" type="datetimeFigureOut">
               <a:rPr lang="en-US" smtClean="0"/>
-              <a:t>11/9/10</a:t>
+              <a:t>11/16/10</a:t>
             </a:fld>
             <a:endParaRPr lang="en-US"/>
           </a:p>
@@ -7739,15 +7739,7 @@
                 </a:r>
                 <a:r>
                   <a:rPr lang="en-US" sz="1300" dirty="0" smtClean="0"/>
-                  <a:t>(</a:t>
-                </a:r>
-                <a:r>
-                  <a:rPr lang="en-US" sz="1300" dirty="0" smtClean="0"/>
-                  <a:t>i</a:t>
-                </a:r>
-                <a:r>
-                  <a:rPr lang="en-US" sz="1300" dirty="0" smtClean="0"/>
-                  <a:t>)</a:t>
+                  <a:t>(i)</a:t>
                 </a:r>
                 <a:endParaRPr lang="en-US" sz="1300" dirty="0"/>
               </a:p>
@@ -9611,15 +9603,7 @@
                 </a:r>
                 <a:r>
                   <a:rPr lang="en-US" sz="1300" dirty="0" smtClean="0"/>
-                  <a:t>(</a:t>
-                </a:r>
-                <a:r>
-                  <a:rPr lang="en-US" sz="1300" dirty="0" smtClean="0"/>
-                  <a:t>i</a:t>
-                </a:r>
-                <a:r>
-                  <a:rPr lang="en-US" sz="1300" dirty="0" smtClean="0"/>
-                  <a:t>)</a:t>
+                  <a:t>(i)</a:t>
                 </a:r>
                 <a:endParaRPr lang="en-US" sz="1300" dirty="0"/>
               </a:p>
@@ -10579,15 +10563,7 @@
               <a:p>
                 <a:r>
                   <a:rPr lang="en-US" sz="1300" dirty="0" smtClean="0"/>
-                  <a:t>clean(</a:t>
-                </a:r>
-                <a:r>
-                  <a:rPr lang="en-US" sz="1300" dirty="0" smtClean="0"/>
-                  <a:t>i</a:t>
-                </a:r>
-                <a:r>
-                  <a:rPr lang="en-US" sz="1300" dirty="0" smtClean="0"/>
-                  <a:t>)</a:t>
+                  <a:t>clean(i)</a:t>
                 </a:r>
                 <a:endParaRPr lang="en-US" sz="1300" dirty="0"/>
               </a:p>
@@ -11640,6 +11616,650 @@
           <a:xfrm flipV="1">
             <a:off x="5323831" y="1075950"/>
             <a:ext cx="968166" cy="3140472"/>
+          </a:xfrm>
+          <a:prstGeom prst="straightConnector1">
+            <a:avLst/>
+          </a:prstGeom>
+          <a:ln>
+            <a:solidFill>
+              <a:srgbClr val="000000"/>
+            </a:solidFill>
+            <a:tailEnd type="arrow"/>
+          </a:ln>
+          <a:effectLst/>
+        </p:spPr>
+        <p:style>
+          <a:lnRef idx="2">
+            <a:schemeClr val="accent1"/>
+          </a:lnRef>
+          <a:fillRef idx="0">
+            <a:schemeClr val="accent1"/>
+          </a:fillRef>
+          <a:effectRef idx="1">
+            <a:schemeClr val="accent1"/>
+          </a:effectRef>
+          <a:fontRef idx="minor">
+            <a:schemeClr val="tx1"/>
+          </a:fontRef>
+        </p:style>
+      </p:cxnSp>
+      <p:grpSp>
+        <p:nvGrpSpPr>
+          <p:cNvPr id="263" name="Group 262"/>
+          <p:cNvGrpSpPr/>
+          <p:nvPr/>
+        </p:nvGrpSpPr>
+        <p:grpSpPr>
+          <a:xfrm>
+            <a:off x="453974" y="686313"/>
+            <a:ext cx="1638158" cy="412166"/>
+            <a:chOff x="767551" y="4831166"/>
+            <a:chExt cx="1638158" cy="412166"/>
+          </a:xfrm>
+        </p:grpSpPr>
+        <p:sp>
+          <p:nvSpPr>
+            <p:cNvPr id="264" name="Oval 263"/>
+            <p:cNvSpPr/>
+            <p:nvPr/>
+          </p:nvSpPr>
+          <p:spPr>
+            <a:xfrm>
+              <a:off x="1246301" y="4831166"/>
+              <a:ext cx="94957" cy="83091"/>
+            </a:xfrm>
+            <a:prstGeom prst="ellipse">
+              <a:avLst/>
+            </a:prstGeom>
+            <a:solidFill>
+              <a:schemeClr val="tx1"/>
+            </a:solidFill>
+            <a:ln>
+              <a:solidFill>
+                <a:schemeClr val="tx1"/>
+              </a:solidFill>
+            </a:ln>
+          </p:spPr>
+          <p:style>
+            <a:lnRef idx="1">
+              <a:schemeClr val="accent1"/>
+            </a:lnRef>
+            <a:fillRef idx="3">
+              <a:schemeClr val="accent1"/>
+            </a:fillRef>
+            <a:effectRef idx="2">
+              <a:schemeClr val="accent1"/>
+            </a:effectRef>
+            <a:fontRef idx="minor">
+              <a:schemeClr val="lt1"/>
+            </a:fontRef>
+          </p:style>
+          <p:txBody>
+            <a:bodyPr rtlCol="0" anchor="ctr"/>
+            <a:lstStyle/>
+            <a:p>
+              <a:pPr algn="ctr"/>
+              <a:endParaRPr lang="en-US"/>
+            </a:p>
+          </p:txBody>
+        </p:sp>
+        <p:sp>
+          <p:nvSpPr>
+            <p:cNvPr id="265" name="TextBox 264"/>
+            <p:cNvSpPr txBox="1"/>
+            <p:nvPr/>
+          </p:nvSpPr>
+          <p:spPr>
+            <a:xfrm>
+              <a:off x="767551" y="4935555"/>
+              <a:ext cx="926931" cy="307777"/>
+            </a:xfrm>
+            <a:prstGeom prst="rect">
+              <a:avLst/>
+            </a:prstGeom>
+            <a:noFill/>
+          </p:spPr>
+          <p:txBody>
+            <a:bodyPr wrap="none" rtlCol="0">
+              <a:spAutoFit/>
+            </a:bodyPr>
+            <a:lstStyle/>
+            <a:p>
+              <a:r>
+                <a:rPr lang="en-US" sz="1400" dirty="0"/>
+                <a:t>¬</a:t>
+              </a:r>
+              <a:r>
+                <a:rPr lang="en-US" sz="1300" dirty="0"/>
+                <a:t>loaded(b)</a:t>
+              </a:r>
+              <a:endParaRPr lang="en-US" sz="1300" dirty="0"/>
+            </a:p>
+          </p:txBody>
+        </p:sp>
+        <p:sp>
+          <p:nvSpPr>
+            <p:cNvPr id="267" name="Oval 266"/>
+            <p:cNvSpPr/>
+            <p:nvPr/>
+          </p:nvSpPr>
+          <p:spPr>
+            <a:xfrm>
+              <a:off x="2310752" y="4831166"/>
+              <a:ext cx="94957" cy="83091"/>
+            </a:xfrm>
+            <a:prstGeom prst="ellipse">
+              <a:avLst/>
+            </a:prstGeom>
+            <a:noFill/>
+            <a:ln>
+              <a:solidFill>
+                <a:schemeClr val="tx1"/>
+              </a:solidFill>
+            </a:ln>
+          </p:spPr>
+          <p:style>
+            <a:lnRef idx="1">
+              <a:schemeClr val="accent1"/>
+            </a:lnRef>
+            <a:fillRef idx="3">
+              <a:schemeClr val="accent1"/>
+            </a:fillRef>
+            <a:effectRef idx="2">
+              <a:schemeClr val="accent1"/>
+            </a:effectRef>
+            <a:fontRef idx="minor">
+              <a:schemeClr val="lt1"/>
+            </a:fontRef>
+          </p:style>
+          <p:txBody>
+            <a:bodyPr rtlCol="0" anchor="ctr"/>
+            <a:lstStyle/>
+            <a:p>
+              <a:pPr algn="ctr"/>
+              <a:endParaRPr lang="en-US"/>
+            </a:p>
+          </p:txBody>
+        </p:sp>
+        <p:cxnSp>
+          <p:nvCxnSpPr>
+            <p:cNvPr id="268" name="Straight Arrow Connector 267"/>
+            <p:cNvCxnSpPr/>
+            <p:nvPr/>
+          </p:nvCxnSpPr>
+          <p:spPr>
+            <a:xfrm flipV="1">
+              <a:off x="1325579" y="4876003"/>
+              <a:ext cx="1030879" cy="7406"/>
+            </a:xfrm>
+            <a:prstGeom prst="straightConnector1">
+              <a:avLst/>
+            </a:prstGeom>
+            <a:ln>
+              <a:solidFill>
+                <a:srgbClr val="000000"/>
+              </a:solidFill>
+              <a:tailEnd type="arrow"/>
+            </a:ln>
+            <a:effectLst/>
+          </p:spPr>
+          <p:style>
+            <a:lnRef idx="2">
+              <a:schemeClr val="accent1"/>
+            </a:lnRef>
+            <a:fillRef idx="0">
+              <a:schemeClr val="accent1"/>
+            </a:fillRef>
+            <a:effectRef idx="1">
+              <a:schemeClr val="accent1"/>
+            </a:effectRef>
+            <a:fontRef idx="minor">
+              <a:schemeClr val="tx1"/>
+            </a:fontRef>
+          </p:style>
+        </p:cxnSp>
+      </p:grpSp>
+      <p:grpSp>
+        <p:nvGrpSpPr>
+          <p:cNvPr id="271" name="Group 270"/>
+          <p:cNvGrpSpPr/>
+          <p:nvPr/>
+        </p:nvGrpSpPr>
+        <p:grpSpPr>
+          <a:xfrm>
+            <a:off x="2619479" y="662123"/>
+            <a:ext cx="1638158" cy="412166"/>
+            <a:chOff x="767551" y="4831166"/>
+            <a:chExt cx="1638158" cy="412166"/>
+          </a:xfrm>
+        </p:grpSpPr>
+        <p:sp>
+          <p:nvSpPr>
+            <p:cNvPr id="276" name="Oval 275"/>
+            <p:cNvSpPr/>
+            <p:nvPr/>
+          </p:nvSpPr>
+          <p:spPr>
+            <a:xfrm>
+              <a:off x="1246301" y="4831166"/>
+              <a:ext cx="94957" cy="83091"/>
+            </a:xfrm>
+            <a:prstGeom prst="ellipse">
+              <a:avLst/>
+            </a:prstGeom>
+            <a:solidFill>
+              <a:schemeClr val="tx1"/>
+            </a:solidFill>
+            <a:ln>
+              <a:solidFill>
+                <a:schemeClr val="tx1"/>
+              </a:solidFill>
+            </a:ln>
+          </p:spPr>
+          <p:style>
+            <a:lnRef idx="1">
+              <a:schemeClr val="accent1"/>
+            </a:lnRef>
+            <a:fillRef idx="3">
+              <a:schemeClr val="accent1"/>
+            </a:fillRef>
+            <a:effectRef idx="2">
+              <a:schemeClr val="accent1"/>
+            </a:effectRef>
+            <a:fontRef idx="minor">
+              <a:schemeClr val="lt1"/>
+            </a:fontRef>
+          </p:style>
+          <p:txBody>
+            <a:bodyPr rtlCol="0" anchor="ctr"/>
+            <a:lstStyle/>
+            <a:p>
+              <a:pPr algn="ctr"/>
+              <a:endParaRPr lang="en-US"/>
+            </a:p>
+          </p:txBody>
+        </p:sp>
+        <p:sp>
+          <p:nvSpPr>
+            <p:cNvPr id="277" name="TextBox 276"/>
+            <p:cNvSpPr txBox="1"/>
+            <p:nvPr/>
+          </p:nvSpPr>
+          <p:spPr>
+            <a:xfrm>
+              <a:off x="767551" y="4935555"/>
+              <a:ext cx="926931" cy="307777"/>
+            </a:xfrm>
+            <a:prstGeom prst="rect">
+              <a:avLst/>
+            </a:prstGeom>
+            <a:noFill/>
+          </p:spPr>
+          <p:txBody>
+            <a:bodyPr wrap="none" rtlCol="0">
+              <a:spAutoFit/>
+            </a:bodyPr>
+            <a:lstStyle/>
+            <a:p>
+              <a:r>
+                <a:rPr lang="en-US" sz="1400" dirty="0"/>
+                <a:t>¬</a:t>
+              </a:r>
+              <a:r>
+                <a:rPr lang="en-US" sz="1300" dirty="0"/>
+                <a:t>loaded(b)</a:t>
+              </a:r>
+              <a:endParaRPr lang="en-US" sz="1300" dirty="0"/>
+            </a:p>
+          </p:txBody>
+        </p:sp>
+        <p:sp>
+          <p:nvSpPr>
+            <p:cNvPr id="279" name="Oval 278"/>
+            <p:cNvSpPr/>
+            <p:nvPr/>
+          </p:nvSpPr>
+          <p:spPr>
+            <a:xfrm>
+              <a:off x="2310752" y="4831166"/>
+              <a:ext cx="94957" cy="83091"/>
+            </a:xfrm>
+            <a:prstGeom prst="ellipse">
+              <a:avLst/>
+            </a:prstGeom>
+            <a:noFill/>
+            <a:ln>
+              <a:solidFill>
+                <a:schemeClr val="tx1"/>
+              </a:solidFill>
+            </a:ln>
+          </p:spPr>
+          <p:style>
+            <a:lnRef idx="1">
+              <a:schemeClr val="accent1"/>
+            </a:lnRef>
+            <a:fillRef idx="3">
+              <a:schemeClr val="accent1"/>
+            </a:fillRef>
+            <a:effectRef idx="2">
+              <a:schemeClr val="accent1"/>
+            </a:effectRef>
+            <a:fontRef idx="minor">
+              <a:schemeClr val="lt1"/>
+            </a:fontRef>
+          </p:style>
+          <p:txBody>
+            <a:bodyPr rtlCol="0" anchor="ctr"/>
+            <a:lstStyle/>
+            <a:p>
+              <a:pPr algn="ctr"/>
+              <a:endParaRPr lang="en-US"/>
+            </a:p>
+          </p:txBody>
+        </p:sp>
+        <p:cxnSp>
+          <p:nvCxnSpPr>
+            <p:cNvPr id="280" name="Straight Arrow Connector 279"/>
+            <p:cNvCxnSpPr/>
+            <p:nvPr/>
+          </p:nvCxnSpPr>
+          <p:spPr>
+            <a:xfrm flipV="1">
+              <a:off x="1325579" y="4876003"/>
+              <a:ext cx="1030879" cy="7406"/>
+            </a:xfrm>
+            <a:prstGeom prst="straightConnector1">
+              <a:avLst/>
+            </a:prstGeom>
+            <a:ln>
+              <a:solidFill>
+                <a:srgbClr val="000000"/>
+              </a:solidFill>
+              <a:tailEnd type="arrow"/>
+            </a:ln>
+            <a:effectLst/>
+          </p:spPr>
+          <p:style>
+            <a:lnRef idx="2">
+              <a:schemeClr val="accent1"/>
+            </a:lnRef>
+            <a:fillRef idx="0">
+              <a:schemeClr val="accent1"/>
+            </a:fillRef>
+            <a:effectRef idx="1">
+              <a:schemeClr val="accent1"/>
+            </a:effectRef>
+            <a:fontRef idx="minor">
+              <a:schemeClr val="tx1"/>
+            </a:fontRef>
+          </p:style>
+        </p:cxnSp>
+      </p:grpSp>
+      <p:grpSp>
+        <p:nvGrpSpPr>
+          <p:cNvPr id="282" name="Group 281"/>
+          <p:cNvGrpSpPr/>
+          <p:nvPr/>
+        </p:nvGrpSpPr>
+        <p:grpSpPr>
+          <a:xfrm>
+            <a:off x="4782795" y="330106"/>
+            <a:ext cx="1432514" cy="726370"/>
+            <a:chOff x="767551" y="4516962"/>
+            <a:chExt cx="1432514" cy="726370"/>
+          </a:xfrm>
+        </p:grpSpPr>
+        <p:sp>
+          <p:nvSpPr>
+            <p:cNvPr id="283" name="Oval 282"/>
+            <p:cNvSpPr/>
+            <p:nvPr/>
+          </p:nvSpPr>
+          <p:spPr>
+            <a:xfrm>
+              <a:off x="1246301" y="4831166"/>
+              <a:ext cx="94957" cy="83091"/>
+            </a:xfrm>
+            <a:prstGeom prst="ellipse">
+              <a:avLst/>
+            </a:prstGeom>
+            <a:solidFill>
+              <a:schemeClr val="tx1"/>
+            </a:solidFill>
+            <a:ln>
+              <a:solidFill>
+                <a:schemeClr val="tx1"/>
+              </a:solidFill>
+            </a:ln>
+          </p:spPr>
+          <p:style>
+            <a:lnRef idx="1">
+              <a:schemeClr val="accent1"/>
+            </a:lnRef>
+            <a:fillRef idx="3">
+              <a:schemeClr val="accent1"/>
+            </a:fillRef>
+            <a:effectRef idx="2">
+              <a:schemeClr val="accent1"/>
+            </a:effectRef>
+            <a:fontRef idx="minor">
+              <a:schemeClr val="lt1"/>
+            </a:fontRef>
+          </p:style>
+          <p:txBody>
+            <a:bodyPr rtlCol="0" anchor="ctr"/>
+            <a:lstStyle/>
+            <a:p>
+              <a:pPr algn="ctr"/>
+              <a:endParaRPr lang="en-US"/>
+            </a:p>
+          </p:txBody>
+        </p:sp>
+        <p:sp>
+          <p:nvSpPr>
+            <p:cNvPr id="285" name="TextBox 284"/>
+            <p:cNvSpPr txBox="1"/>
+            <p:nvPr/>
+          </p:nvSpPr>
+          <p:spPr>
+            <a:xfrm>
+              <a:off x="767551" y="4935555"/>
+              <a:ext cx="926931" cy="307777"/>
+            </a:xfrm>
+            <a:prstGeom prst="rect">
+              <a:avLst/>
+            </a:prstGeom>
+            <a:noFill/>
+          </p:spPr>
+          <p:txBody>
+            <a:bodyPr wrap="none" rtlCol="0">
+              <a:spAutoFit/>
+            </a:bodyPr>
+            <a:lstStyle/>
+            <a:p>
+              <a:r>
+                <a:rPr lang="en-US" sz="1400" dirty="0"/>
+                <a:t>¬</a:t>
+              </a:r>
+              <a:r>
+                <a:rPr lang="en-US" sz="1300" dirty="0"/>
+                <a:t>loaded(b)</a:t>
+              </a:r>
+              <a:endParaRPr lang="en-US" sz="1300" dirty="0"/>
+            </a:p>
+          </p:txBody>
+        </p:sp>
+        <p:cxnSp>
+          <p:nvCxnSpPr>
+            <p:cNvPr id="296" name="Straight Arrow Connector 295"/>
+            <p:cNvCxnSpPr>
+              <a:endCxn id="299" idx="2"/>
+            </p:cNvCxnSpPr>
+            <p:nvPr/>
+          </p:nvCxnSpPr>
+          <p:spPr>
+            <a:xfrm flipV="1">
+              <a:off x="1325579" y="4516962"/>
+              <a:ext cx="874486" cy="366447"/>
+            </a:xfrm>
+            <a:prstGeom prst="straightConnector1">
+              <a:avLst/>
+            </a:prstGeom>
+            <a:ln>
+              <a:solidFill>
+                <a:srgbClr val="000000"/>
+              </a:solidFill>
+              <a:tailEnd type="arrow"/>
+            </a:ln>
+            <a:effectLst/>
+          </p:spPr>
+          <p:style>
+            <a:lnRef idx="2">
+              <a:schemeClr val="accent1"/>
+            </a:lnRef>
+            <a:fillRef idx="0">
+              <a:schemeClr val="accent1"/>
+            </a:fillRef>
+            <a:effectRef idx="1">
+              <a:schemeClr val="accent1"/>
+            </a:effectRef>
+            <a:fontRef idx="minor">
+              <a:schemeClr val="tx1"/>
+            </a:fontRef>
+          </p:style>
+        </p:cxnSp>
+      </p:grpSp>
+      <p:cxnSp>
+        <p:nvCxnSpPr>
+          <p:cNvPr id="297" name="Straight Arrow Connector 296"/>
+          <p:cNvCxnSpPr/>
+          <p:nvPr/>
+        </p:nvCxnSpPr>
+        <p:spPr>
+          <a:xfrm flipV="1">
+            <a:off x="2084799" y="714315"/>
+            <a:ext cx="1030879" cy="7406"/>
+          </a:xfrm>
+          <a:prstGeom prst="straightConnector1">
+            <a:avLst/>
+          </a:prstGeom>
+          <a:ln>
+            <a:solidFill>
+              <a:srgbClr val="000000"/>
+            </a:solidFill>
+            <a:tailEnd type="arrow"/>
+          </a:ln>
+          <a:effectLst/>
+        </p:spPr>
+        <p:style>
+          <a:lnRef idx="2">
+            <a:schemeClr val="accent1"/>
+          </a:lnRef>
+          <a:fillRef idx="0">
+            <a:schemeClr val="accent1"/>
+          </a:fillRef>
+          <a:effectRef idx="1">
+            <a:schemeClr val="accent1"/>
+          </a:effectRef>
+          <a:fontRef idx="minor">
+            <a:schemeClr val="tx1"/>
+          </a:fontRef>
+        </p:style>
+      </p:cxnSp>
+      <p:cxnSp>
+        <p:nvCxnSpPr>
+          <p:cNvPr id="298" name="Straight Arrow Connector 297"/>
+          <p:cNvCxnSpPr/>
+          <p:nvPr/>
+        </p:nvCxnSpPr>
+        <p:spPr>
+          <a:xfrm flipV="1">
+            <a:off x="4270103" y="699554"/>
+            <a:ext cx="1030879" cy="7406"/>
+          </a:xfrm>
+          <a:prstGeom prst="straightConnector1">
+            <a:avLst/>
+          </a:prstGeom>
+          <a:ln>
+            <a:solidFill>
+              <a:srgbClr val="000000"/>
+            </a:solidFill>
+            <a:tailEnd type="arrow"/>
+          </a:ln>
+          <a:effectLst/>
+        </p:spPr>
+        <p:style>
+          <a:lnRef idx="2">
+            <a:schemeClr val="accent1"/>
+          </a:lnRef>
+          <a:fillRef idx="0">
+            <a:schemeClr val="accent1"/>
+          </a:fillRef>
+          <a:effectRef idx="1">
+            <a:schemeClr val="accent1"/>
+          </a:effectRef>
+          <a:fontRef idx="minor">
+            <a:schemeClr val="tx1"/>
+          </a:fontRef>
+        </p:style>
+      </p:cxnSp>
+      <p:sp>
+        <p:nvSpPr>
+          <p:cNvPr id="299" name="Oval 298"/>
+          <p:cNvSpPr/>
+          <p:nvPr/>
+        </p:nvSpPr>
+        <p:spPr>
+          <a:xfrm>
+            <a:off x="6215309" y="288560"/>
+            <a:ext cx="94957" cy="83091"/>
+          </a:xfrm>
+          <a:prstGeom prst="ellipse">
+            <a:avLst/>
+          </a:prstGeom>
+          <a:noFill/>
+          <a:ln>
+            <a:solidFill>
+              <a:schemeClr val="tx1"/>
+            </a:solidFill>
+          </a:ln>
+        </p:spPr>
+        <p:style>
+          <a:lnRef idx="1">
+            <a:schemeClr val="accent1"/>
+          </a:lnRef>
+          <a:fillRef idx="3">
+            <a:schemeClr val="accent1"/>
+          </a:fillRef>
+          <a:effectRef idx="2">
+            <a:schemeClr val="accent1"/>
+          </a:effectRef>
+          <a:fontRef idx="minor">
+            <a:schemeClr val="lt1"/>
+          </a:fontRef>
+        </p:style>
+        <p:txBody>
+          <a:bodyPr rtlCol="0" anchor="ctr"/>
+          <a:lstStyle/>
+          <a:p>
+            <a:pPr algn="ctr"/>
+            <a:endParaRPr lang="en-US"/>
+          </a:p>
+        </p:txBody>
+      </p:sp>
+      <p:cxnSp>
+        <p:nvCxnSpPr>
+          <p:cNvPr id="300" name="Straight Arrow Connector 299"/>
+          <p:cNvCxnSpPr>
+            <a:stCxn id="299" idx="5"/>
+            <a:endCxn id="256" idx="0"/>
+          </p:cNvCxnSpPr>
+          <p:nvPr/>
+        </p:nvCxnSpPr>
+        <p:spPr>
+          <a:xfrm>
+            <a:off x="6296360" y="359483"/>
+            <a:ext cx="1078842" cy="278524"/>
           </a:xfrm>
           <a:prstGeom prst="straightConnector1">
             <a:avLst/>
